--- a/Akash Jadhav MuleSoft Resume(46183951) - Copy.pptx
+++ b/Akash Jadhav MuleSoft Resume(46183951) - Copy.pptx
@@ -254,7 +254,7 @@
           <a:p>
             <a:fld id="{FA8172F9-03B8-457B-A2E7-B715553F6051}" type="datetimeFigureOut">
               <a:rPr lang="en-IN" smtClean="0"/>
-              <a:t>03-11-2022</a:t>
+              <a:t>11-01-2023</a:t>
             </a:fld>
             <a:endParaRPr lang="en-IN"/>
           </a:p>
@@ -424,7 +424,7 @@
           <a:p>
             <a:fld id="{FA8172F9-03B8-457B-A2E7-B715553F6051}" type="datetimeFigureOut">
               <a:rPr lang="en-IN" smtClean="0"/>
-              <a:t>03-11-2022</a:t>
+              <a:t>11-01-2023</a:t>
             </a:fld>
             <a:endParaRPr lang="en-IN"/>
           </a:p>
@@ -604,7 +604,7 @@
           <a:p>
             <a:fld id="{FA8172F9-03B8-457B-A2E7-B715553F6051}" type="datetimeFigureOut">
               <a:rPr lang="en-IN" smtClean="0"/>
-              <a:t>03-11-2022</a:t>
+              <a:t>11-01-2023</a:t>
             </a:fld>
             <a:endParaRPr lang="en-IN"/>
           </a:p>
@@ -774,7 +774,7 @@
           <a:p>
             <a:fld id="{FA8172F9-03B8-457B-A2E7-B715553F6051}" type="datetimeFigureOut">
               <a:rPr lang="en-IN" smtClean="0"/>
-              <a:t>03-11-2022</a:t>
+              <a:t>11-01-2023</a:t>
             </a:fld>
             <a:endParaRPr lang="en-IN"/>
           </a:p>
@@ -1020,7 +1020,7 @@
           <a:p>
             <a:fld id="{FA8172F9-03B8-457B-A2E7-B715553F6051}" type="datetimeFigureOut">
               <a:rPr lang="en-IN" smtClean="0"/>
-              <a:t>03-11-2022</a:t>
+              <a:t>11-01-2023</a:t>
             </a:fld>
             <a:endParaRPr lang="en-IN"/>
           </a:p>
@@ -1252,7 +1252,7 @@
           <a:p>
             <a:fld id="{FA8172F9-03B8-457B-A2E7-B715553F6051}" type="datetimeFigureOut">
               <a:rPr lang="en-IN" smtClean="0"/>
-              <a:t>03-11-2022</a:t>
+              <a:t>11-01-2023</a:t>
             </a:fld>
             <a:endParaRPr lang="en-IN"/>
           </a:p>
@@ -1619,7 +1619,7 @@
           <a:p>
             <a:fld id="{FA8172F9-03B8-457B-A2E7-B715553F6051}" type="datetimeFigureOut">
               <a:rPr lang="en-IN" smtClean="0"/>
-              <a:t>03-11-2022</a:t>
+              <a:t>11-01-2023</a:t>
             </a:fld>
             <a:endParaRPr lang="en-IN"/>
           </a:p>
@@ -1737,7 +1737,7 @@
           <a:p>
             <a:fld id="{FA8172F9-03B8-457B-A2E7-B715553F6051}" type="datetimeFigureOut">
               <a:rPr lang="en-IN" smtClean="0"/>
-              <a:t>03-11-2022</a:t>
+              <a:t>11-01-2023</a:t>
             </a:fld>
             <a:endParaRPr lang="en-IN"/>
           </a:p>
@@ -1832,7 +1832,7 @@
           <a:p>
             <a:fld id="{FA8172F9-03B8-457B-A2E7-B715553F6051}" type="datetimeFigureOut">
               <a:rPr lang="en-IN" smtClean="0"/>
-              <a:t>03-11-2022</a:t>
+              <a:t>11-01-2023</a:t>
             </a:fld>
             <a:endParaRPr lang="en-IN"/>
           </a:p>
@@ -2109,7 +2109,7 @@
           <a:p>
             <a:fld id="{FA8172F9-03B8-457B-A2E7-B715553F6051}" type="datetimeFigureOut">
               <a:rPr lang="en-IN" smtClean="0"/>
-              <a:t>03-11-2022</a:t>
+              <a:t>11-01-2023</a:t>
             </a:fld>
             <a:endParaRPr lang="en-IN"/>
           </a:p>
@@ -2362,7 +2362,7 @@
           <a:p>
             <a:fld id="{FA8172F9-03B8-457B-A2E7-B715553F6051}" type="datetimeFigureOut">
               <a:rPr lang="en-IN" smtClean="0"/>
-              <a:t>03-11-2022</a:t>
+              <a:t>11-01-2023</a:t>
             </a:fld>
             <a:endParaRPr lang="en-IN"/>
           </a:p>
@@ -2575,7 +2575,7 @@
           <a:p>
             <a:fld id="{FA8172F9-03B8-457B-A2E7-B715553F6051}" type="datetimeFigureOut">
               <a:rPr lang="en-IN" smtClean="0"/>
-              <a:t>03-11-2022</a:t>
+              <a:t>11-01-2023</a:t>
             </a:fld>
             <a:endParaRPr lang="en-IN"/>
           </a:p>
@@ -3371,7 +3371,7 @@
           <p:nvPr>
             <p:extLst>
               <p:ext uri="{D42A27DB-BD31-4B8C-83A1-F6EECF244321}">
-                <p14:modId xmlns:p14="http://schemas.microsoft.com/office/powerpoint/2010/main" val="3614839804"/>
+                <p14:modId xmlns:p14="http://schemas.microsoft.com/office/powerpoint/2010/main" val="3471294839"/>
               </p:ext>
             </p:extLst>
           </p:nvPr>
@@ -3462,27 +3462,7 @@
                           <a:latin typeface="Arial" panose="020B0604020202020204" pitchFamily="34" charset="0"/>
                           <a:cs typeface="Arial" panose="020B0604020202020204" pitchFamily="34" charset="0"/>
                         </a:rPr>
-                        <a:t>Java, AWS</a:t>
-                      </a:r>
-                      <a:r>
-                        <a:rPr lang="en-US" sz="1300" b="1" baseline="0" dirty="0">
-                          <a:solidFill>
-                            <a:schemeClr val="tx1"/>
-                          </a:solidFill>
-                          <a:latin typeface="Arial" panose="020B0604020202020204" pitchFamily="34" charset="0"/>
-                          <a:cs typeface="Arial" panose="020B0604020202020204" pitchFamily="34" charset="0"/>
-                        </a:rPr>
-                        <a:t> ,</a:t>
-                      </a:r>
-                      <a:r>
-                        <a:rPr lang="en-US" sz="1300" b="1" dirty="0">
-                          <a:solidFill>
-                            <a:schemeClr val="tx1"/>
-                          </a:solidFill>
-                          <a:latin typeface="Arial" panose="020B0604020202020204" pitchFamily="34" charset="0"/>
-                          <a:cs typeface="Arial" panose="020B0604020202020204" pitchFamily="34" charset="0"/>
-                        </a:rPr>
-                        <a:t>MuleSoft, Spring and Spring Boot.</a:t>
+                        <a:t>Java, MuleSoft, Spring Concept , HTML, CSS.</a:t>
                       </a:r>
                       <a:endParaRPr lang="en-US" sz="1300" dirty="0">
                         <a:solidFill>
@@ -3728,7 +3708,7 @@
                           <a:latin typeface="Arial" panose="020B0604020202020204" pitchFamily="34" charset="0"/>
                           <a:cs typeface="Arial" panose="020B0604020202020204" pitchFamily="34" charset="0"/>
                         </a:rPr>
-                        <a:t>for end points like </a:t>
+                        <a:t>for end points like</a:t>
                       </a:r>
                       <a:r>
                         <a:rPr lang="en-US" sz="1300" b="1" dirty="0">
@@ -3738,7 +3718,7 @@
                           <a:latin typeface="Arial" panose="020B0604020202020204" pitchFamily="34" charset="0"/>
                           <a:cs typeface="Arial" panose="020B0604020202020204" pitchFamily="34" charset="0"/>
                         </a:rPr>
-                        <a:t>SAP, Salesforce</a:t>
+                        <a:t> Salesforce</a:t>
                       </a:r>
                       <a:r>
                         <a:rPr lang="en-US" sz="1300" dirty="0">
@@ -3912,14 +3892,14 @@
           <p:nvPr>
             <p:extLst>
               <p:ext uri="{D42A27DB-BD31-4B8C-83A1-F6EECF244321}">
-                <p14:modId xmlns:p14="http://schemas.microsoft.com/office/powerpoint/2010/main" val="3472628335"/>
+                <p14:modId xmlns:p14="http://schemas.microsoft.com/office/powerpoint/2010/main" val="3571916614"/>
               </p:ext>
             </p:extLst>
           </p:nvPr>
         </p:nvGraphicFramePr>
         <p:xfrm>
           <a:off x="2446480" y="3792070"/>
-          <a:ext cx="9358527" cy="3063240"/>
+          <a:ext cx="9358527" cy="2788920"/>
         </p:xfrm>
         <a:graphic>
           <a:graphicData uri="http://schemas.openxmlformats.org/drawingml/2006/table">
@@ -4173,7 +4153,7 @@
                           <a:ea typeface="+mn-ea"/>
                           <a:cs typeface="Arial" panose="020B0604020202020204" pitchFamily="34" charset="0"/>
                         </a:rPr>
-                        <a:t>Integration in IBM Web Management Console.</a:t>
+                        <a:t>Has extensive hands-on in XML, JSON (2.0 and 1.0)</a:t>
                       </a:r>
                     </a:p>
                     <a:p>
@@ -4194,28 +4174,7 @@
                           <a:ea typeface="+mn-ea"/>
                           <a:cs typeface="Arial" panose="020B0604020202020204" pitchFamily="34" charset="0"/>
                         </a:rPr>
-                        <a:t>Has extensive hands-on in XML, JSON (2.0 and 1.0)</a:t>
-                      </a:r>
-                    </a:p>
-                    <a:p>
-                      <a:pPr marL="285750" indent="-285750" algn="l" defTabSz="914400" rtl="0" eaLnBrk="1" latinLnBrk="0" hangingPunct="1">
-                        <a:spcAft>
-                          <a:spcPts val="600"/>
-                        </a:spcAft>
-                        <a:buFont typeface="Arial" panose="020B0604020202020204" pitchFamily="34" charset="0"/>
-                        <a:buChar char="•"/>
-                        <a:defRPr/>
-                      </a:pPr>
-                      <a:r>
-                        <a:rPr lang="en-IN" sz="1300" kern="1200" dirty="0">
-                          <a:solidFill>
-                            <a:schemeClr val="tx1"/>
-                          </a:solidFill>
-                          <a:latin typeface="Arial" panose="020B0604020202020204" pitchFamily="34" charset="0"/>
-                          <a:ea typeface="+mn-ea"/>
-                          <a:cs typeface="Arial" panose="020B0604020202020204" pitchFamily="34" charset="0"/>
-                        </a:rPr>
-                        <a:t>Worked on extensive Exception Handling use cases in App Connect 7.5.4 and 7.5.5.0.</a:t>
+                        <a:t>Worked on extensive Exception Handling .</a:t>
                       </a:r>
                     </a:p>
                     <a:p>
